--- a/2021/statistics-for-business/session-6.pptx
+++ b/2021/statistics-for-business/session-6.pptx
@@ -6096,7 +6096,7 @@
           <a:p>
             <a:fld id="{BAB092CD-4273-444B-8426-8EB57D389A51}" type="datetimeFigureOut">
               <a:rPr lang="es-MX" smtClean="0"/>
-              <a:t>26/11/2021</a:t>
+              <a:t>26/02/2022</a:t>
             </a:fld>
             <a:endParaRPr lang="es-MX" dirty="0"/>
           </a:p>
@@ -6334,7 +6334,7 @@
           <a:p>
             <a:fld id="{BAB092CD-4273-444B-8426-8EB57D389A51}" type="datetimeFigureOut">
               <a:rPr lang="es-MX" smtClean="0"/>
-              <a:t>26/11/2021</a:t>
+              <a:t>26/02/2022</a:t>
             </a:fld>
             <a:endParaRPr lang="es-MX" dirty="0"/>
           </a:p>
@@ -6514,7 +6514,7 @@
           <a:p>
             <a:fld id="{BAB092CD-4273-444B-8426-8EB57D389A51}" type="datetimeFigureOut">
               <a:rPr lang="es-MX" smtClean="0"/>
-              <a:t>26/11/2021</a:t>
+              <a:t>26/02/2022</a:t>
             </a:fld>
             <a:endParaRPr lang="es-MX" dirty="0"/>
           </a:p>
@@ -6684,7 +6684,7 @@
           <a:p>
             <a:fld id="{BAB092CD-4273-444B-8426-8EB57D389A51}" type="datetimeFigureOut">
               <a:rPr lang="es-MX" smtClean="0"/>
-              <a:t>26/11/2021</a:t>
+              <a:t>26/02/2022</a:t>
             </a:fld>
             <a:endParaRPr lang="es-MX" dirty="0"/>
           </a:p>
@@ -6960,7 +6960,7 @@
           <a:p>
             <a:fld id="{BAB092CD-4273-444B-8426-8EB57D389A51}" type="datetimeFigureOut">
               <a:rPr lang="es-MX" smtClean="0"/>
-              <a:t>26/11/2021</a:t>
+              <a:t>26/02/2022</a:t>
             </a:fld>
             <a:endParaRPr lang="es-MX" dirty="0"/>
           </a:p>
@@ -8161,7 +8161,7 @@
           <a:p>
             <a:fld id="{BAB092CD-4273-444B-8426-8EB57D389A51}" type="datetimeFigureOut">
               <a:rPr lang="es-MX" smtClean="0"/>
-              <a:t>26/11/2021</a:t>
+              <a:t>26/02/2022</a:t>
             </a:fld>
             <a:endParaRPr lang="es-MX" dirty="0"/>
           </a:p>
@@ -8551,7 +8551,7 @@
           <a:p>
             <a:fld id="{BAB092CD-4273-444B-8426-8EB57D389A51}" type="datetimeFigureOut">
               <a:rPr lang="es-MX" smtClean="0"/>
-              <a:t>26/11/2021</a:t>
+              <a:t>26/02/2022</a:t>
             </a:fld>
             <a:endParaRPr lang="es-MX" dirty="0"/>
           </a:p>
@@ -8674,7 +8674,7 @@
           <a:p>
             <a:fld id="{BAB092CD-4273-444B-8426-8EB57D389A51}" type="datetimeFigureOut">
               <a:rPr lang="es-MX" smtClean="0"/>
-              <a:t>26/11/2021</a:t>
+              <a:t>26/02/2022</a:t>
             </a:fld>
             <a:endParaRPr lang="es-MX" dirty="0"/>
           </a:p>
@@ -8769,7 +8769,7 @@
           <a:p>
             <a:fld id="{BAB092CD-4273-444B-8426-8EB57D389A51}" type="datetimeFigureOut">
               <a:rPr lang="es-MX" smtClean="0"/>
-              <a:t>26/11/2021</a:t>
+              <a:t>26/02/2022</a:t>
             </a:fld>
             <a:endParaRPr lang="es-MX" dirty="0"/>
           </a:p>
@@ -9532,7 +9532,7 @@
           <a:p>
             <a:fld id="{BAB092CD-4273-444B-8426-8EB57D389A51}" type="datetimeFigureOut">
               <a:rPr lang="es-MX" smtClean="0"/>
-              <a:t>26/11/2021</a:t>
+              <a:t>26/02/2022</a:t>
             </a:fld>
             <a:endParaRPr lang="es-MX" dirty="0"/>
           </a:p>
@@ -10371,7 +10371,7 @@
           <a:p>
             <a:fld id="{BAB092CD-4273-444B-8426-8EB57D389A51}" type="datetimeFigureOut">
               <a:rPr lang="es-MX" smtClean="0"/>
-              <a:t>26/11/2021</a:t>
+              <a:t>26/02/2022</a:t>
             </a:fld>
             <a:endParaRPr lang="es-MX" dirty="0"/>
           </a:p>
@@ -10598,7 +10598,7 @@
           <a:p>
             <a:fld id="{BAB092CD-4273-444B-8426-8EB57D389A51}" type="datetimeFigureOut">
               <a:rPr lang="es-MX" smtClean="0"/>
-              <a:t>26/11/2021</a:t>
+              <a:t>26/02/2022</a:t>
             </a:fld>
             <a:endParaRPr lang="es-MX" dirty="0"/>
           </a:p>
@@ -14703,8 +14703,8 @@
           </a:fontRef>
         </p:style>
       </p:sp>
-      <mc:AlternateContent xmlns:mc="http://schemas.openxmlformats.org/markup-compatibility/2006">
-        <mc:Choice xmlns:a14="http://schemas.microsoft.com/office/drawing/2010/main" Requires="a14">
+      <mc:AlternateContent xmlns:mc="http://schemas.openxmlformats.org/markup-compatibility/2006" xmlns:a14="http://schemas.microsoft.com/office/drawing/2010/main">
+        <mc:Choice Requires="a14">
           <p:sp>
             <p:nvSpPr>
               <p:cNvPr id="3" name="Content Placeholder 2">
@@ -15181,7 +15181,7 @@
             </p:txBody>
           </p:sp>
         </mc:Choice>
-        <mc:Fallback>
+        <mc:Fallback xmlns="">
           <p:sp>
             <p:nvSpPr>
               <p:cNvPr id="3" name="Content Placeholder 2">
@@ -26874,8 +26874,8 @@
           </a:p>
         </p:txBody>
       </p:sp>
-      <mc:AlternateContent xmlns:mc="http://schemas.openxmlformats.org/markup-compatibility/2006" xmlns:a14="http://schemas.microsoft.com/office/drawing/2010/main">
-        <mc:Choice Requires="a14">
+      <mc:AlternateContent xmlns:mc="http://schemas.openxmlformats.org/markup-compatibility/2006">
+        <mc:Choice xmlns:a14="http://schemas.microsoft.com/office/drawing/2010/main" Requires="a14">
           <p:sp>
             <p:nvSpPr>
               <p:cNvPr id="3" name="Content Placeholder 2">
@@ -26919,7 +26919,7 @@
                       <m:sSub>
                         <m:sSubPr>
                           <m:ctrlPr>
-                            <a:rPr lang="en-US" sz="4000" b="1" i="1" cap="all" spc="400">
+                            <a:rPr lang="en-US" sz="4000" b="1" i="1" cap="all" spc="400" smtClean="0">
                               <a:solidFill>
                                 <a:schemeClr val="tx2"/>
                               </a:solidFill>
@@ -26929,13 +26929,13 @@
                         </m:sSubPr>
                         <m:e>
                           <m:r>
-                            <a:rPr lang="en-US" sz="4000" b="1" cap="all" spc="400">
+                            <a:rPr lang="en-US" sz="4000" b="1" i="0" cap="all" spc="400" smtClean="0">
                               <a:solidFill>
                                 <a:schemeClr val="tx2"/>
                               </a:solidFill>
                               <a:latin typeface="Cambria Math" panose="02040503050406030204" pitchFamily="18" charset="0"/>
                             </a:rPr>
-                            <m:t>𝜎</m:t>
+                            <m:t>𝐬</m:t>
                           </m:r>
                         </m:e>
                         <m:sub>
@@ -26987,13 +26987,13 @@
                         </m:fPr>
                         <m:num>
                           <m:r>
-                            <a:rPr lang="en-US" sz="4000" b="1" cap="all" spc="400">
+                            <a:rPr lang="en-US" sz="4000" b="1" i="0" cap="all" spc="400" smtClean="0">
                               <a:solidFill>
                                 <a:schemeClr val="tx2"/>
                               </a:solidFill>
                               <a:latin typeface="Cambria Math" panose="02040503050406030204" pitchFamily="18" charset="0"/>
                             </a:rPr>
-                            <m:t>𝜎</m:t>
+                            <m:t>𝐬</m:t>
                           </m:r>
                         </m:num>
                         <m:den>
@@ -27036,7 +27036,7 @@
             </p:txBody>
           </p:sp>
         </mc:Choice>
-        <mc:Fallback xmlns="">
+        <mc:Fallback>
           <p:sp>
             <p:nvSpPr>
               <p:cNvPr id="3" name="Content Placeholder 2">
@@ -27303,7 +27303,7 @@
                       <m:sSub>
                         <m:sSubPr>
                           <m:ctrlPr>
-                            <a:rPr lang="en-US" b="1" i="1" cap="all" spc="400">
+                            <a:rPr lang="en-US" b="1" i="1" cap="all" spc="400" smtClean="0">
                               <a:solidFill>
                                 <a:schemeClr val="tx1"/>
                               </a:solidFill>
@@ -27416,13 +27416,13 @@
                                 </m:sSupPr>
                                 <m:e>
                                   <m:r>
-                                    <a:rPr lang="en-US" b="1" cap="all" spc="400">
+                                    <a:rPr lang="en-US" b="1" i="0" cap="all" spc="400" smtClean="0">
                                       <a:solidFill>
                                         <a:schemeClr val="tx1"/>
                                       </a:solidFill>
                                       <a:latin typeface="Cambria Math" panose="02040503050406030204" pitchFamily="18" charset="0"/>
                                     </a:rPr>
-                                    <m:t>𝜎</m:t>
+                                    <m:t>𝐬</m:t>
                                   </m:r>
                                 </m:e>
                                 <m:sup>
